--- a/novotny.pptx
+++ b/novotny.pptx
@@ -5,24 +5,25 @@
     <p:sldMasterId id="2147483677" r:id="rId1"/>
   </p:sldMasterIdLst>
   <p:notesMasterIdLst>
-    <p:notesMasterId r:id="rId17"/>
+    <p:notesMasterId r:id="rId18"/>
   </p:notesMasterIdLst>
   <p:sldIdLst>
     <p:sldId id="257" r:id="rId2"/>
     <p:sldId id="256" r:id="rId3"/>
-    <p:sldId id="258" r:id="rId4"/>
-    <p:sldId id="259" r:id="rId5"/>
-    <p:sldId id="261" r:id="rId6"/>
-    <p:sldId id="262" r:id="rId7"/>
-    <p:sldId id="263" r:id="rId8"/>
-    <p:sldId id="264" r:id="rId9"/>
-    <p:sldId id="266" r:id="rId10"/>
-    <p:sldId id="267" r:id="rId11"/>
-    <p:sldId id="268" r:id="rId12"/>
-    <p:sldId id="265" r:id="rId13"/>
-    <p:sldId id="260" r:id="rId14"/>
-    <p:sldId id="269" r:id="rId15"/>
-    <p:sldId id="271" r:id="rId16"/>
+    <p:sldId id="272" r:id="rId4"/>
+    <p:sldId id="258" r:id="rId5"/>
+    <p:sldId id="259" r:id="rId6"/>
+    <p:sldId id="261" r:id="rId7"/>
+    <p:sldId id="262" r:id="rId8"/>
+    <p:sldId id="263" r:id="rId9"/>
+    <p:sldId id="264" r:id="rId10"/>
+    <p:sldId id="266" r:id="rId11"/>
+    <p:sldId id="267" r:id="rId12"/>
+    <p:sldId id="268" r:id="rId13"/>
+    <p:sldId id="265" r:id="rId14"/>
+    <p:sldId id="260" r:id="rId15"/>
+    <p:sldId id="269" r:id="rId16"/>
+    <p:sldId id="271" r:id="rId17"/>
   </p:sldIdLst>
   <p:sldSz cx="12192000" cy="6858000"/>
   <p:notesSz cx="6858000" cy="9144000"/>
@@ -211,7 +212,7 @@
           <a:p>
             <a:fld id="{09913693-1DE8-4501-BAF0-AD4443B392AC}" type="datetimeFigureOut">
               <a:rPr lang="cs-CZ" smtClean="0"/>
-              <a:t>17.01.2023</a:t>
+              <a:t>18.01.2023</a:t>
             </a:fld>
             <a:endParaRPr lang="cs-CZ"/>
           </a:p>
@@ -630,7 +631,7 @@
           <a:p>
             <a:fld id="{D0603797-FEDD-4CF5-AAA7-EF0B47EA44A7}" type="slidenum">
               <a:rPr lang="cs-CZ" smtClean="0"/>
-              <a:t>3</a:t>
+              <a:t>4</a:t>
             </a:fld>
             <a:endParaRPr lang="cs-CZ"/>
           </a:p>
@@ -724,7 +725,7 @@
           <a:p>
             <a:fld id="{D0603797-FEDD-4CF5-AAA7-EF0B47EA44A7}" type="slidenum">
               <a:rPr lang="cs-CZ" smtClean="0"/>
-              <a:t>4</a:t>
+              <a:t>5</a:t>
             </a:fld>
             <a:endParaRPr lang="cs-CZ"/>
           </a:p>
@@ -908,7 +909,7 @@
           <a:p>
             <a:fld id="{D0603797-FEDD-4CF5-AAA7-EF0B47EA44A7}" type="slidenum">
               <a:rPr lang="cs-CZ" smtClean="0"/>
-              <a:t>5</a:t>
+              <a:t>6</a:t>
             </a:fld>
             <a:endParaRPr lang="cs-CZ"/>
           </a:p>
@@ -1002,7 +1003,7 @@
           <a:p>
             <a:fld id="{D0603797-FEDD-4CF5-AAA7-EF0B47EA44A7}" type="slidenum">
               <a:rPr lang="cs-CZ" smtClean="0"/>
-              <a:t>6</a:t>
+              <a:t>7</a:t>
             </a:fld>
             <a:endParaRPr lang="cs-CZ"/>
           </a:p>
@@ -1115,7 +1116,7 @@
           <a:p>
             <a:fld id="{D0603797-FEDD-4CF5-AAA7-EF0B47EA44A7}" type="slidenum">
               <a:rPr lang="cs-CZ" smtClean="0"/>
-              <a:t>7</a:t>
+              <a:t>8</a:t>
             </a:fld>
             <a:endParaRPr lang="cs-CZ"/>
           </a:p>
@@ -1224,7 +1225,7 @@
           <a:p>
             <a:fld id="{D0603797-FEDD-4CF5-AAA7-EF0B47EA44A7}" type="slidenum">
               <a:rPr lang="cs-CZ" smtClean="0"/>
-              <a:t>8</a:t>
+              <a:t>9</a:t>
             </a:fld>
             <a:endParaRPr lang="cs-CZ"/>
           </a:p>
@@ -1311,7 +1312,7 @@
           <a:p>
             <a:fld id="{D0603797-FEDD-4CF5-AAA7-EF0B47EA44A7}" type="slidenum">
               <a:rPr lang="cs-CZ" smtClean="0"/>
-              <a:t>10</a:t>
+              <a:t>11</a:t>
             </a:fld>
             <a:endParaRPr lang="cs-CZ"/>
           </a:p>
@@ -1426,7 +1427,7 @@
           <a:p>
             <a:fld id="{D0603797-FEDD-4CF5-AAA7-EF0B47EA44A7}" type="slidenum">
               <a:rPr lang="cs-CZ" smtClean="0"/>
-              <a:t>11</a:t>
+              <a:t>12</a:t>
             </a:fld>
             <a:endParaRPr lang="cs-CZ"/>
           </a:p>
@@ -2169,7 +2170,7 @@
           <a:p>
             <a:fld id="{A9A38176-E9B8-4DEB-AC2D-C4C2155934CA}" type="datetimeFigureOut">
               <a:rPr lang="cs-CZ" smtClean="0"/>
-              <a:t>17.01.2023</a:t>
+              <a:t>18.01.2023</a:t>
             </a:fld>
             <a:endParaRPr lang="cs-CZ"/>
           </a:p>
@@ -2420,7 +2421,7 @@
           <a:p>
             <a:fld id="{A9A38176-E9B8-4DEB-AC2D-C4C2155934CA}" type="datetimeFigureOut">
               <a:rPr lang="cs-CZ" smtClean="0"/>
-              <a:t>17.01.2023</a:t>
+              <a:t>18.01.2023</a:t>
             </a:fld>
             <a:endParaRPr lang="cs-CZ"/>
           </a:p>
@@ -2734,7 +2735,7 @@
           <a:p>
             <a:fld id="{A9A38176-E9B8-4DEB-AC2D-C4C2155934CA}" type="datetimeFigureOut">
               <a:rPr lang="cs-CZ" smtClean="0"/>
-              <a:t>17.01.2023</a:t>
+              <a:t>18.01.2023</a:t>
             </a:fld>
             <a:endParaRPr lang="cs-CZ"/>
           </a:p>
@@ -3061,7 +3062,7 @@
           <a:p>
             <a:fld id="{A9A38176-E9B8-4DEB-AC2D-C4C2155934CA}" type="datetimeFigureOut">
               <a:rPr lang="cs-CZ" smtClean="0"/>
-              <a:t>17.01.2023</a:t>
+              <a:t>18.01.2023</a:t>
             </a:fld>
             <a:endParaRPr lang="cs-CZ"/>
           </a:p>
@@ -3375,7 +3376,7 @@
           <a:p>
             <a:fld id="{A9A38176-E9B8-4DEB-AC2D-C4C2155934CA}" type="datetimeFigureOut">
               <a:rPr lang="cs-CZ" smtClean="0"/>
-              <a:t>17.01.2023</a:t>
+              <a:t>18.01.2023</a:t>
             </a:fld>
             <a:endParaRPr lang="cs-CZ"/>
           </a:p>
@@ -3762,7 +3763,7 @@
           <a:p>
             <a:fld id="{A9A38176-E9B8-4DEB-AC2D-C4C2155934CA}" type="datetimeFigureOut">
               <a:rPr lang="cs-CZ" smtClean="0"/>
-              <a:t>17.01.2023</a:t>
+              <a:t>18.01.2023</a:t>
             </a:fld>
             <a:endParaRPr lang="cs-CZ"/>
           </a:p>
@@ -3932,7 +3933,7 @@
           <a:p>
             <a:fld id="{A9A38176-E9B8-4DEB-AC2D-C4C2155934CA}" type="datetimeFigureOut">
               <a:rPr lang="cs-CZ" smtClean="0"/>
-              <a:t>17.01.2023</a:t>
+              <a:t>18.01.2023</a:t>
             </a:fld>
             <a:endParaRPr lang="cs-CZ"/>
           </a:p>
@@ -4112,7 +4113,7 @@
           <a:p>
             <a:fld id="{A9A38176-E9B8-4DEB-AC2D-C4C2155934CA}" type="datetimeFigureOut">
               <a:rPr lang="cs-CZ" smtClean="0"/>
-              <a:t>17.01.2023</a:t>
+              <a:t>18.01.2023</a:t>
             </a:fld>
             <a:endParaRPr lang="cs-CZ"/>
           </a:p>
@@ -4288,7 +4289,7 @@
           <a:p>
             <a:fld id="{A9A38176-E9B8-4DEB-AC2D-C4C2155934CA}" type="datetimeFigureOut">
               <a:rPr lang="cs-CZ" smtClean="0"/>
-              <a:t>17.01.2023</a:t>
+              <a:t>18.01.2023</a:t>
             </a:fld>
             <a:endParaRPr lang="cs-CZ"/>
           </a:p>
@@ -4535,7 +4536,7 @@
           <a:p>
             <a:fld id="{A9A38176-E9B8-4DEB-AC2D-C4C2155934CA}" type="datetimeFigureOut">
               <a:rPr lang="cs-CZ" smtClean="0"/>
-              <a:t>17.01.2023</a:t>
+              <a:t>18.01.2023</a:t>
             </a:fld>
             <a:endParaRPr lang="cs-CZ"/>
           </a:p>
@@ -4767,7 +4768,7 @@
           <a:p>
             <a:fld id="{A9A38176-E9B8-4DEB-AC2D-C4C2155934CA}" type="datetimeFigureOut">
               <a:rPr lang="cs-CZ" smtClean="0"/>
-              <a:t>17.01.2023</a:t>
+              <a:t>18.01.2023</a:t>
             </a:fld>
             <a:endParaRPr lang="cs-CZ"/>
           </a:p>
@@ -5141,7 +5142,7 @@
           <a:p>
             <a:fld id="{A9A38176-E9B8-4DEB-AC2D-C4C2155934CA}" type="datetimeFigureOut">
               <a:rPr lang="cs-CZ" smtClean="0"/>
-              <a:t>17.01.2023</a:t>
+              <a:t>18.01.2023</a:t>
             </a:fld>
             <a:endParaRPr lang="cs-CZ"/>
           </a:p>
@@ -5264,7 +5265,7 @@
           <a:p>
             <a:fld id="{A9A38176-E9B8-4DEB-AC2D-C4C2155934CA}" type="datetimeFigureOut">
               <a:rPr lang="cs-CZ" smtClean="0"/>
-              <a:t>17.01.2023</a:t>
+              <a:t>18.01.2023</a:t>
             </a:fld>
             <a:endParaRPr lang="cs-CZ"/>
           </a:p>
@@ -5359,7 +5360,7 @@
           <a:p>
             <a:fld id="{A9A38176-E9B8-4DEB-AC2D-C4C2155934CA}" type="datetimeFigureOut">
               <a:rPr lang="cs-CZ" smtClean="0"/>
-              <a:t>17.01.2023</a:t>
+              <a:t>18.01.2023</a:t>
             </a:fld>
             <a:endParaRPr lang="cs-CZ"/>
           </a:p>
@@ -5614,7 +5615,7 @@
           <a:p>
             <a:fld id="{A9A38176-E9B8-4DEB-AC2D-C4C2155934CA}" type="datetimeFigureOut">
               <a:rPr lang="cs-CZ" smtClean="0"/>
-              <a:t>17.01.2023</a:t>
+              <a:t>18.01.2023</a:t>
             </a:fld>
             <a:endParaRPr lang="cs-CZ"/>
           </a:p>
@@ -5877,7 +5878,7 @@
           <a:p>
             <a:fld id="{A9A38176-E9B8-4DEB-AC2D-C4C2155934CA}" type="datetimeFigureOut">
               <a:rPr lang="cs-CZ" smtClean="0"/>
-              <a:t>17.01.2023</a:t>
+              <a:t>18.01.2023</a:t>
             </a:fld>
             <a:endParaRPr lang="cs-CZ"/>
           </a:p>
@@ -6622,7 +6623,7 @@
           <a:p>
             <a:fld id="{A9A38176-E9B8-4DEB-AC2D-C4C2155934CA}" type="datetimeFigureOut">
               <a:rPr lang="cs-CZ" smtClean="0"/>
-              <a:t>17.01.2023</a:t>
+              <a:t>18.01.2023</a:t>
             </a:fld>
             <a:endParaRPr lang="cs-CZ"/>
           </a:p>
@@ -7240,7 +7241,7 @@
           <p:cNvPr id="2" name="Nadpis 1">
             <a:extLst>
               <a:ext uri="{FF2B5EF4-FFF2-40B4-BE49-F238E27FC236}">
-                <a16:creationId xmlns:a16="http://schemas.microsoft.com/office/drawing/2014/main" id="{98D8B656-1321-45CD-358A-D83C04AA92D3}"/>
+                <a16:creationId xmlns:a16="http://schemas.microsoft.com/office/drawing/2014/main" id="{B2E2CAB8-6CAD-CA8C-F38A-C8B9DFCE08AE}"/>
               </a:ext>
             </a:extLst>
           </p:cNvPr>
@@ -7253,52 +7254,65 @@
         </p:nvSpPr>
         <p:spPr/>
         <p:txBody>
+          <a:bodyPr/>
+          <a:lstStyle/>
+          <a:p>
+            <a:r>
+              <a:rPr lang="cs-CZ" dirty="0"/>
+              <a:t>Využití kvantových PC</a:t>
+            </a:r>
+          </a:p>
+        </p:txBody>
+      </p:sp>
+      <p:sp>
+        <p:nvSpPr>
+          <p:cNvPr id="3" name="Zástupný obsah 2">
+            <a:extLst>
+              <a:ext uri="{FF2B5EF4-FFF2-40B4-BE49-F238E27FC236}">
+                <a16:creationId xmlns:a16="http://schemas.microsoft.com/office/drawing/2014/main" id="{7CA22F89-8FF6-74E8-E704-C161D1C2040D}"/>
+              </a:ext>
+            </a:extLst>
+          </p:cNvPr>
+          <p:cNvSpPr>
+            <a:spLocks noGrp="1"/>
+          </p:cNvSpPr>
+          <p:nvPr>
+            <p:ph idx="1"/>
+          </p:nvPr>
+        </p:nvSpPr>
+        <p:spPr/>
+        <p:txBody>
           <a:bodyPr>
             <a:normAutofit/>
           </a:bodyPr>
           <a:lstStyle/>
           <a:p>
             <a:r>
-              <a:rPr lang="cs-CZ" dirty="0"/>
-              <a:t>Kvantová hrozba</a:t>
-            </a:r>
-          </a:p>
-        </p:txBody>
-      </p:sp>
-      <p:sp>
-        <p:nvSpPr>
-          <p:cNvPr id="3" name="Zástupný obsah 2">
-            <a:extLst>
-              <a:ext uri="{FF2B5EF4-FFF2-40B4-BE49-F238E27FC236}">
-                <a16:creationId xmlns:a16="http://schemas.microsoft.com/office/drawing/2014/main" id="{6F067888-B343-7FB6-5DCF-8FB27EAC1402}"/>
-              </a:ext>
-            </a:extLst>
-          </p:cNvPr>
-          <p:cNvSpPr>
-            <a:spLocks noGrp="1"/>
-          </p:cNvSpPr>
-          <p:nvPr>
-            <p:ph idx="1"/>
-          </p:nvPr>
-        </p:nvSpPr>
-        <p:spPr/>
-        <p:txBody>
-          <a:bodyPr>
-            <a:normAutofit/>
-          </a:bodyPr>
-          <a:lstStyle/>
-          <a:p>
-            <a:r>
               <a:rPr lang="cs-CZ" sz="3600" dirty="0"/>
-              <a:t>Dešifrování kódu</a:t>
-            </a:r>
+              <a:t>Zdravotnictví </a:t>
+            </a:r>
+          </a:p>
+          <a:p>
+            <a:r>
+              <a:rPr lang="cs-CZ" sz="3600" dirty="0"/>
+              <a:t>Průmysl</a:t>
+            </a:r>
+          </a:p>
+          <a:p>
+            <a:r>
+              <a:rPr lang="cs-CZ" sz="3600" dirty="0"/>
+              <a:t>Šifrování</a:t>
+            </a:r>
+          </a:p>
+          <a:p>
+            <a:endParaRPr lang="cs-CZ" sz="3600" dirty="0"/>
           </a:p>
         </p:txBody>
       </p:sp>
     </p:spTree>
     <p:extLst>
       <p:ext uri="{BB962C8B-B14F-4D97-AF65-F5344CB8AC3E}">
-        <p14:creationId xmlns:p14="http://schemas.microsoft.com/office/powerpoint/2010/main" val="2903859617"/>
+        <p14:creationId xmlns:p14="http://schemas.microsoft.com/office/powerpoint/2010/main" val="1475811921"/>
       </p:ext>
     </p:extLst>
   </p:cSld>
@@ -7333,7 +7347,7 @@
           <p:cNvPr id="2" name="Nadpis 1">
             <a:extLst>
               <a:ext uri="{FF2B5EF4-FFF2-40B4-BE49-F238E27FC236}">
-                <a16:creationId xmlns:a16="http://schemas.microsoft.com/office/drawing/2014/main" id="{F8E025B2-469D-F796-9800-2C0215F39536}"/>
+                <a16:creationId xmlns:a16="http://schemas.microsoft.com/office/drawing/2014/main" id="{98D8B656-1321-45CD-358A-D83C04AA92D3}"/>
               </a:ext>
             </a:extLst>
           </p:cNvPr>
@@ -7346,12 +7360,14 @@
         </p:nvSpPr>
         <p:spPr/>
         <p:txBody>
-          <a:bodyPr/>
+          <a:bodyPr>
+            <a:normAutofit/>
+          </a:bodyPr>
           <a:lstStyle/>
           <a:p>
             <a:r>
               <a:rPr lang="cs-CZ" dirty="0"/>
-              <a:t>Kvantová kryptografie</a:t>
+              <a:t>Kvantová hrozba</a:t>
             </a:r>
           </a:p>
         </p:txBody>
@@ -7361,7 +7377,7 @@
           <p:cNvPr id="3" name="Zástupný obsah 2">
             <a:extLst>
               <a:ext uri="{FF2B5EF4-FFF2-40B4-BE49-F238E27FC236}">
-                <a16:creationId xmlns:a16="http://schemas.microsoft.com/office/drawing/2014/main" id="{3833745E-8857-AF25-54FB-1A168E8E1012}"/>
+                <a16:creationId xmlns:a16="http://schemas.microsoft.com/office/drawing/2014/main" id="{6F067888-B343-7FB6-5DCF-8FB27EAC1402}"/>
               </a:ext>
             </a:extLst>
           </p:cNvPr>
@@ -7381,13 +7397,7 @@
           <a:p>
             <a:r>
               <a:rPr lang="cs-CZ" sz="3600" dirty="0"/>
-              <a:t>Utajení zprávy kvantovou mechanikou</a:t>
-            </a:r>
-          </a:p>
-          <a:p>
-            <a:r>
-              <a:rPr lang="cs-CZ" sz="3600" dirty="0"/>
-              <a:t>Řeší bezpečné distribuce klíčů</a:t>
+              <a:t>Dešifrování kódu</a:t>
             </a:r>
           </a:p>
         </p:txBody>
@@ -7395,7 +7405,7 @@
     </p:spTree>
     <p:extLst>
       <p:ext uri="{BB962C8B-B14F-4D97-AF65-F5344CB8AC3E}">
-        <p14:creationId xmlns:p14="http://schemas.microsoft.com/office/powerpoint/2010/main" val="2441413586"/>
+        <p14:creationId xmlns:p14="http://schemas.microsoft.com/office/powerpoint/2010/main" val="2903859617"/>
       </p:ext>
     </p:extLst>
   </p:cSld>
@@ -7430,7 +7440,7 @@
           <p:cNvPr id="2" name="Nadpis 1">
             <a:extLst>
               <a:ext uri="{FF2B5EF4-FFF2-40B4-BE49-F238E27FC236}">
-                <a16:creationId xmlns:a16="http://schemas.microsoft.com/office/drawing/2014/main" id="{21C7BAF5-B021-3142-6FB5-C197FEA743F5}"/>
+                <a16:creationId xmlns:a16="http://schemas.microsoft.com/office/drawing/2014/main" id="{F8E025B2-469D-F796-9800-2C0215F39536}"/>
               </a:ext>
             </a:extLst>
           </p:cNvPr>
@@ -7448,7 +7458,7 @@
           <a:p>
             <a:r>
               <a:rPr lang="cs-CZ" dirty="0"/>
-              <a:t>Citace</a:t>
+              <a:t>Kvantová kryptografie</a:t>
             </a:r>
           </a:p>
         </p:txBody>
@@ -7458,7 +7468,7 @@
           <p:cNvPr id="3" name="Zástupný obsah 2">
             <a:extLst>
               <a:ext uri="{FF2B5EF4-FFF2-40B4-BE49-F238E27FC236}">
-                <a16:creationId xmlns:a16="http://schemas.microsoft.com/office/drawing/2014/main" id="{08D34BB5-F035-5721-304C-298A35EAF79C}"/>
+                <a16:creationId xmlns:a16="http://schemas.microsoft.com/office/drawing/2014/main" id="{3833745E-8857-AF25-54FB-1A168E8E1012}"/>
               </a:ext>
             </a:extLst>
           </p:cNvPr>
@@ -7471,201 +7481,28 @@
         </p:nvSpPr>
         <p:spPr/>
         <p:txBody>
-          <a:bodyPr/>
-          <a:lstStyle/>
-          <a:p>
-            <a:r>
-              <a:rPr lang="cs-CZ" b="0" i="0" dirty="0">
-                <a:solidFill>
-                  <a:schemeClr val="tx1"/>
-                </a:solidFill>
-                <a:effectLst/>
-                <a:latin typeface="Open Sans" panose="020B0604020202020204" pitchFamily="34" charset="0"/>
-              </a:rPr>
-              <a:t>Kvantový PC: Kvantová kryptografie. In: </a:t>
-            </a:r>
-            <a:r>
-              <a:rPr lang="cs-CZ" b="0" i="1" dirty="0" err="1">
-                <a:solidFill>
-                  <a:schemeClr val="tx1"/>
-                </a:solidFill>
-                <a:effectLst/>
-                <a:latin typeface="Open Sans" panose="020B0604020202020204" pitchFamily="34" charset="0"/>
-              </a:rPr>
-              <a:t>Aldebaran</a:t>
-            </a:r>
-            <a:r>
-              <a:rPr lang="cs-CZ" b="0" i="1" dirty="0">
-                <a:solidFill>
-                  <a:schemeClr val="tx1"/>
-                </a:solidFill>
-                <a:effectLst/>
-                <a:latin typeface="Open Sans" panose="020B0604020202020204" pitchFamily="34" charset="0"/>
-              </a:rPr>
-              <a:t>: </a:t>
-            </a:r>
-            <a:r>
-              <a:rPr lang="cs-CZ" b="0" i="1" dirty="0" err="1">
-                <a:solidFill>
-                  <a:schemeClr val="tx1"/>
-                </a:solidFill>
-                <a:effectLst/>
-                <a:latin typeface="Open Sans" panose="020B0604020202020204" pitchFamily="34" charset="0"/>
-              </a:rPr>
-              <a:t>Aldebaran</a:t>
-            </a:r>
-            <a:r>
-              <a:rPr lang="cs-CZ" b="0" i="1" dirty="0">
-                <a:solidFill>
-                  <a:schemeClr val="tx1"/>
-                </a:solidFill>
-                <a:effectLst/>
-                <a:latin typeface="Open Sans" panose="020B0604020202020204" pitchFamily="34" charset="0"/>
-              </a:rPr>
-              <a:t> bulletin</a:t>
-            </a:r>
-            <a:r>
-              <a:rPr lang="cs-CZ" b="0" i="0" dirty="0">
-                <a:solidFill>
-                  <a:schemeClr val="tx1"/>
-                </a:solidFill>
-                <a:effectLst/>
-                <a:latin typeface="Open Sans" panose="020B0604020202020204" pitchFamily="34" charset="0"/>
-              </a:rPr>
-              <a:t> [online]. Česká Republika: </a:t>
-            </a:r>
-            <a:r>
-              <a:rPr lang="cs-CZ" b="0" i="0" dirty="0" err="1">
-                <a:solidFill>
-                  <a:schemeClr val="tx1"/>
-                </a:solidFill>
-                <a:effectLst/>
-                <a:latin typeface="Open Sans" panose="020B0604020202020204" pitchFamily="34" charset="0"/>
-              </a:rPr>
-              <a:t>aldebaran</a:t>
-            </a:r>
-            <a:r>
-              <a:rPr lang="cs-CZ" b="0" i="0" dirty="0">
-                <a:solidFill>
-                  <a:schemeClr val="tx1"/>
-                </a:solidFill>
-                <a:effectLst/>
-                <a:latin typeface="Open Sans" panose="020B0604020202020204" pitchFamily="34" charset="0"/>
-              </a:rPr>
-              <a:t>, 2005, 4.4.2005 [cit. 2023-01-17]. Dostupné z: </a:t>
-            </a:r>
-            <a:r>
-              <a:rPr lang="cs-CZ" b="0" i="0" dirty="0">
-                <a:solidFill>
-                  <a:schemeClr val="tx1"/>
-                </a:solidFill>
-                <a:effectLst/>
-                <a:latin typeface="Open Sans" panose="020B0604020202020204" pitchFamily="34" charset="0"/>
-                <a:hlinkClick r:id="rId2"/>
-              </a:rPr>
-              <a:t>https://www.aldebaran.cz/bulletin/2005_14_kry.php</a:t>
-            </a:r>
-            <a:endParaRPr lang="cs-CZ" b="0" i="0" dirty="0">
-              <a:solidFill>
-                <a:schemeClr val="tx1"/>
-              </a:solidFill>
-              <a:effectLst/>
-              <a:latin typeface="Open Sans" panose="020B0604020202020204" pitchFamily="34" charset="0"/>
-            </a:endParaRPr>
-          </a:p>
-          <a:p>
-            <a:r>
-              <a:rPr lang="cs-CZ" b="0" i="0" dirty="0">
-                <a:solidFill>
-                  <a:schemeClr val="tx1"/>
-                </a:solidFill>
-                <a:effectLst/>
-                <a:latin typeface="Open Sans" panose="020B0606030504020204" pitchFamily="34" charset="0"/>
-              </a:rPr>
-              <a:t>QUBITY: Nevypočitatelná logika paralelních výpočtů. In: </a:t>
-            </a:r>
-            <a:r>
-              <a:rPr lang="cs-CZ" b="0" i="1" dirty="0">
-                <a:solidFill>
-                  <a:schemeClr val="tx1"/>
-                </a:solidFill>
-                <a:effectLst/>
-                <a:latin typeface="Open Sans" panose="020B0606030504020204" pitchFamily="34" charset="0"/>
-              </a:rPr>
-              <a:t>CHIP</a:t>
-            </a:r>
-            <a:r>
-              <a:rPr lang="cs-CZ" b="0" i="0" dirty="0">
-                <a:solidFill>
-                  <a:schemeClr val="tx1"/>
-                </a:solidFill>
-                <a:effectLst/>
-                <a:latin typeface="Open Sans" panose="020B0606030504020204" pitchFamily="34" charset="0"/>
-              </a:rPr>
-              <a:t> [online]. Česká Republika: CHIP, 2012, 8.2.2012 [cit. 2023-01-17]. Dostupné z: </a:t>
-            </a:r>
-            <a:r>
-              <a:rPr lang="cs-CZ" b="0" i="0" dirty="0">
-                <a:solidFill>
-                  <a:schemeClr val="tx1"/>
-                </a:solidFill>
-                <a:effectLst/>
-                <a:latin typeface="Open Sans" panose="020B0606030504020204" pitchFamily="34" charset="0"/>
-                <a:hlinkClick r:id="rId3"/>
-              </a:rPr>
-              <a:t>https://www.chip.cz/casopis-chip/earchiv/rubriky/technika/qubity-nevypocitatelna-logika-paralelnich-vypoctu/</a:t>
-            </a:r>
-            <a:endParaRPr lang="cs-CZ" b="0" i="0" dirty="0">
-              <a:solidFill>
-                <a:schemeClr val="tx1"/>
-              </a:solidFill>
-              <a:effectLst/>
-              <a:latin typeface="Open Sans" panose="020B0606030504020204" pitchFamily="34" charset="0"/>
-            </a:endParaRPr>
-          </a:p>
-          <a:p>
-            <a:r>
-              <a:rPr lang="cs-CZ" b="0" i="0" dirty="0">
-                <a:solidFill>
-                  <a:schemeClr val="tx1"/>
-                </a:solidFill>
-                <a:effectLst/>
-                <a:latin typeface="Open Sans" panose="020B0606030504020204" pitchFamily="34" charset="0"/>
-              </a:rPr>
-              <a:t>Dokázali výpočetní nadřazenost kvantového počítače. In: </a:t>
-            </a:r>
-            <a:r>
-              <a:rPr lang="cs-CZ" b="0" i="1" dirty="0">
-                <a:solidFill>
-                  <a:schemeClr val="tx1"/>
-                </a:solidFill>
-                <a:effectLst/>
-                <a:latin typeface="Open Sans" panose="020B0606030504020204" pitchFamily="34" charset="0"/>
-              </a:rPr>
-              <a:t>Sciencemag.cz</a:t>
-            </a:r>
-            <a:r>
-              <a:rPr lang="cs-CZ" b="0" i="0" dirty="0">
-                <a:solidFill>
-                  <a:schemeClr val="tx1"/>
-                </a:solidFill>
-                <a:effectLst/>
-                <a:latin typeface="Open Sans" panose="020B0606030504020204" pitchFamily="34" charset="0"/>
-              </a:rPr>
-              <a:t> [online]. Česká Republika: Sciencemag.cz, 2020, 14.10.2020 [cit. 2023-01-17]. Dostupné z: https://sciencemag.cz/dokazali-vypocetni-nadrazenost-kvantoveho-pocitace/</a:t>
-            </a:r>
-            <a:endParaRPr lang="cs-CZ" dirty="0">
-              <a:solidFill>
-                <a:schemeClr val="tx1"/>
-              </a:solidFill>
-            </a:endParaRPr>
+          <a:bodyPr>
+            <a:normAutofit/>
+          </a:bodyPr>
+          <a:lstStyle/>
+          <a:p>
+            <a:r>
+              <a:rPr lang="cs-CZ" sz="3600" dirty="0"/>
+              <a:t>Utajení zprávy kvantovou mechanikou</a:t>
+            </a:r>
+          </a:p>
+          <a:p>
+            <a:r>
+              <a:rPr lang="cs-CZ" sz="3600" dirty="0"/>
+              <a:t>Řeší bezpečné distribuce klíčů</a:t>
+            </a:r>
           </a:p>
         </p:txBody>
       </p:sp>
     </p:spTree>
     <p:extLst>
       <p:ext uri="{BB962C8B-B14F-4D97-AF65-F5344CB8AC3E}">
-        <p14:creationId xmlns:p14="http://schemas.microsoft.com/office/powerpoint/2010/main" val="1816896590"/>
+        <p14:creationId xmlns:p14="http://schemas.microsoft.com/office/powerpoint/2010/main" val="2441413586"/>
       </p:ext>
     </p:extLst>
   </p:cSld>
@@ -7700,7 +7537,7 @@
           <p:cNvPr id="2" name="Nadpis 1">
             <a:extLst>
               <a:ext uri="{FF2B5EF4-FFF2-40B4-BE49-F238E27FC236}">
-                <a16:creationId xmlns:a16="http://schemas.microsoft.com/office/drawing/2014/main" id="{8C4669A3-4A94-4A5A-56CD-F6B8AA91A711}"/>
+                <a16:creationId xmlns:a16="http://schemas.microsoft.com/office/drawing/2014/main" id="{21C7BAF5-B021-3142-6FB5-C197FEA743F5}"/>
               </a:ext>
             </a:extLst>
           </p:cNvPr>
@@ -7718,7 +7555,7 @@
           <a:p>
             <a:r>
               <a:rPr lang="cs-CZ" dirty="0"/>
-              <a:t>Zdroje</a:t>
+              <a:t>Citace</a:t>
             </a:r>
           </a:p>
         </p:txBody>
@@ -7728,7 +7565,7 @@
           <p:cNvPr id="3" name="Zástupný obsah 2">
             <a:extLst>
               <a:ext uri="{FF2B5EF4-FFF2-40B4-BE49-F238E27FC236}">
-                <a16:creationId xmlns:a16="http://schemas.microsoft.com/office/drawing/2014/main" id="{F7FE6249-2132-266D-1996-56498DD5FD89}"/>
+                <a16:creationId xmlns:a16="http://schemas.microsoft.com/office/drawing/2014/main" id="{08D34BB5-F035-5721-304C-298A35EAF79C}"/>
               </a:ext>
             </a:extLst>
           </p:cNvPr>
@@ -7745,40 +7582,197 @@
           <a:lstStyle/>
           <a:p>
             <a:r>
-              <a:rPr lang="cs-CZ" dirty="0">
+              <a:rPr lang="cs-CZ" b="0" i="0" dirty="0">
+                <a:solidFill>
+                  <a:schemeClr val="tx1"/>
+                </a:solidFill>
+                <a:effectLst/>
+                <a:latin typeface="Open Sans" panose="020B0604020202020204" pitchFamily="34" charset="0"/>
+              </a:rPr>
+              <a:t>Kvantový PC: Kvantová kryptografie. In: </a:t>
+            </a:r>
+            <a:r>
+              <a:rPr lang="cs-CZ" b="0" i="1" dirty="0" err="1">
+                <a:solidFill>
+                  <a:schemeClr val="tx1"/>
+                </a:solidFill>
+                <a:effectLst/>
+                <a:latin typeface="Open Sans" panose="020B0604020202020204" pitchFamily="34" charset="0"/>
+              </a:rPr>
+              <a:t>Aldebaran</a:t>
+            </a:r>
+            <a:r>
+              <a:rPr lang="cs-CZ" b="0" i="1" dirty="0">
+                <a:solidFill>
+                  <a:schemeClr val="tx1"/>
+                </a:solidFill>
+                <a:effectLst/>
+                <a:latin typeface="Open Sans" panose="020B0604020202020204" pitchFamily="34" charset="0"/>
+              </a:rPr>
+              <a:t>: </a:t>
+            </a:r>
+            <a:r>
+              <a:rPr lang="cs-CZ" b="0" i="1" dirty="0" err="1">
+                <a:solidFill>
+                  <a:schemeClr val="tx1"/>
+                </a:solidFill>
+                <a:effectLst/>
+                <a:latin typeface="Open Sans" panose="020B0604020202020204" pitchFamily="34" charset="0"/>
+              </a:rPr>
+              <a:t>Aldebaran</a:t>
+            </a:r>
+            <a:r>
+              <a:rPr lang="cs-CZ" b="0" i="1" dirty="0">
+                <a:solidFill>
+                  <a:schemeClr val="tx1"/>
+                </a:solidFill>
+                <a:effectLst/>
+                <a:latin typeface="Open Sans" panose="020B0604020202020204" pitchFamily="34" charset="0"/>
+              </a:rPr>
+              <a:t> bulletin</a:t>
+            </a:r>
+            <a:r>
+              <a:rPr lang="cs-CZ" b="0" i="0" dirty="0">
+                <a:solidFill>
+                  <a:schemeClr val="tx1"/>
+                </a:solidFill>
+                <a:effectLst/>
+                <a:latin typeface="Open Sans" panose="020B0604020202020204" pitchFamily="34" charset="0"/>
+              </a:rPr>
+              <a:t> [online]. Česká Republika: </a:t>
+            </a:r>
+            <a:r>
+              <a:rPr lang="cs-CZ" b="0" i="0" dirty="0" err="1">
+                <a:solidFill>
+                  <a:schemeClr val="tx1"/>
+                </a:solidFill>
+                <a:effectLst/>
+                <a:latin typeface="Open Sans" panose="020B0604020202020204" pitchFamily="34" charset="0"/>
+              </a:rPr>
+              <a:t>aldebaran</a:t>
+            </a:r>
+            <a:r>
+              <a:rPr lang="cs-CZ" b="0" i="0" dirty="0">
+                <a:solidFill>
+                  <a:schemeClr val="tx1"/>
+                </a:solidFill>
+                <a:effectLst/>
+                <a:latin typeface="Open Sans" panose="020B0604020202020204" pitchFamily="34" charset="0"/>
+              </a:rPr>
+              <a:t>, 2005, 4.4.2005 [cit. 2023-01-17]. Dostupné z: </a:t>
+            </a:r>
+            <a:r>
+              <a:rPr lang="cs-CZ" b="0" i="0" dirty="0">
+                <a:solidFill>
+                  <a:schemeClr val="tx1"/>
+                </a:solidFill>
+                <a:effectLst/>
+                <a:latin typeface="Open Sans" panose="020B0604020202020204" pitchFamily="34" charset="0"/>
                 <a:hlinkClick r:id="rId2"/>
               </a:rPr>
-              <a:t>https://qubits.cz/</a:t>
-            </a:r>
-            <a:endParaRPr lang="cs-CZ" dirty="0"/>
-          </a:p>
-          <a:p>
-            <a:r>
-              <a:rPr lang="cs-CZ" dirty="0">
+              <a:t>https://www.aldebaran.cz/bulletin/2005_14_kry.php</a:t>
+            </a:r>
+            <a:endParaRPr lang="cs-CZ" b="0" i="0" dirty="0">
+              <a:solidFill>
+                <a:schemeClr val="tx1"/>
+              </a:solidFill>
+              <a:effectLst/>
+              <a:latin typeface="Open Sans" panose="020B0604020202020204" pitchFamily="34" charset="0"/>
+            </a:endParaRPr>
+          </a:p>
+          <a:p>
+            <a:r>
+              <a:rPr lang="cs-CZ" b="0" i="0" dirty="0">
+                <a:solidFill>
+                  <a:schemeClr val="tx1"/>
+                </a:solidFill>
+                <a:effectLst/>
+                <a:latin typeface="Open Sans" panose="020B0606030504020204" pitchFamily="34" charset="0"/>
+              </a:rPr>
+              <a:t>QUBITY: Nevypočitatelná logika paralelních výpočtů. In: </a:t>
+            </a:r>
+            <a:r>
+              <a:rPr lang="cs-CZ" b="0" i="1" dirty="0">
+                <a:solidFill>
+                  <a:schemeClr val="tx1"/>
+                </a:solidFill>
+                <a:effectLst/>
+                <a:latin typeface="Open Sans" panose="020B0606030504020204" pitchFamily="34" charset="0"/>
+              </a:rPr>
+              <a:t>CHIP</a:t>
+            </a:r>
+            <a:r>
+              <a:rPr lang="cs-CZ" b="0" i="0" dirty="0">
+                <a:solidFill>
+                  <a:schemeClr val="tx1"/>
+                </a:solidFill>
+                <a:effectLst/>
+                <a:latin typeface="Open Sans" panose="020B0606030504020204" pitchFamily="34" charset="0"/>
+              </a:rPr>
+              <a:t> [online]. Česká Republika: CHIP, 2012, 8.2.2012 [cit. 2023-01-17]. Dostupné z: </a:t>
+            </a:r>
+            <a:r>
+              <a:rPr lang="cs-CZ" b="0" i="0" dirty="0">
+                <a:solidFill>
+                  <a:schemeClr val="tx1"/>
+                </a:solidFill>
+                <a:effectLst/>
+                <a:latin typeface="Open Sans" panose="020B0606030504020204" pitchFamily="34" charset="0"/>
                 <a:hlinkClick r:id="rId3"/>
               </a:rPr>
               <a:t>https://www.chip.cz/casopis-chip/earchiv/rubriky/technika/qubity-nevypocitatelna-logika-paralelnich-vypoctu/</a:t>
             </a:r>
-            <a:endParaRPr lang="cs-CZ" dirty="0"/>
-          </a:p>
-          <a:p>
-            <a:r>
-              <a:rPr lang="cs-CZ" dirty="0">
-                <a:hlinkClick r:id="rId4"/>
+            <a:endParaRPr lang="cs-CZ" b="0" i="0" dirty="0">
+              <a:solidFill>
+                <a:schemeClr val="tx1"/>
+              </a:solidFill>
+              <a:effectLst/>
+              <a:latin typeface="Open Sans" panose="020B0606030504020204" pitchFamily="34" charset="0"/>
+            </a:endParaRPr>
+          </a:p>
+          <a:p>
+            <a:r>
+              <a:rPr lang="cs-CZ" b="0" i="0" dirty="0">
+                <a:solidFill>
+                  <a:schemeClr val="tx1"/>
+                </a:solidFill>
+                <a:effectLst/>
+                <a:latin typeface="Open Sans" panose="020B0606030504020204" pitchFamily="34" charset="0"/>
               </a:rPr>
-              <a:t>https://sciencemag.cz/dokazali-vypocetni-nadrazenost-kvantoveh-pocitace/</a:t>
-            </a:r>
-            <a:endParaRPr lang="cs-CZ" dirty="0"/>
-          </a:p>
-          <a:p>
-            <a:endParaRPr lang="cs-CZ" dirty="0"/>
+              <a:t>Dokázali výpočetní nadřazenost kvantového počítače. In: </a:t>
+            </a:r>
+            <a:r>
+              <a:rPr lang="cs-CZ" b="0" i="1" dirty="0">
+                <a:solidFill>
+                  <a:schemeClr val="tx1"/>
+                </a:solidFill>
+                <a:effectLst/>
+                <a:latin typeface="Open Sans" panose="020B0606030504020204" pitchFamily="34" charset="0"/>
+              </a:rPr>
+              <a:t>Sciencemag.cz</a:t>
+            </a:r>
+            <a:r>
+              <a:rPr lang="cs-CZ" b="0" i="0" dirty="0">
+                <a:solidFill>
+                  <a:schemeClr val="tx1"/>
+                </a:solidFill>
+                <a:effectLst/>
+                <a:latin typeface="Open Sans" panose="020B0606030504020204" pitchFamily="34" charset="0"/>
+              </a:rPr>
+              <a:t> [online]. Česká Republika: Sciencemag.cz, 2020, 14.10.2020 [cit. 2023-01-17]. Dostupné z: https://sciencemag.cz/dokazali-vypocetni-nadrazenost-kvantoveho-pocitace/</a:t>
+            </a:r>
+            <a:endParaRPr lang="cs-CZ" dirty="0">
+              <a:solidFill>
+                <a:schemeClr val="tx1"/>
+              </a:solidFill>
+            </a:endParaRPr>
           </a:p>
         </p:txBody>
       </p:sp>
     </p:spTree>
     <p:extLst>
       <p:ext uri="{BB962C8B-B14F-4D97-AF65-F5344CB8AC3E}">
-        <p14:creationId xmlns:p14="http://schemas.microsoft.com/office/powerpoint/2010/main" val="3233636919"/>
+        <p14:creationId xmlns:p14="http://schemas.microsoft.com/office/powerpoint/2010/main" val="1816896590"/>
       </p:ext>
     </p:extLst>
   </p:cSld>
@@ -7813,6 +7807,119 @@
           <p:cNvPr id="2" name="Nadpis 1">
             <a:extLst>
               <a:ext uri="{FF2B5EF4-FFF2-40B4-BE49-F238E27FC236}">
+                <a16:creationId xmlns:a16="http://schemas.microsoft.com/office/drawing/2014/main" id="{8C4669A3-4A94-4A5A-56CD-F6B8AA91A711}"/>
+              </a:ext>
+            </a:extLst>
+          </p:cNvPr>
+          <p:cNvSpPr>
+            <a:spLocks noGrp="1"/>
+          </p:cNvSpPr>
+          <p:nvPr>
+            <p:ph type="title"/>
+          </p:nvPr>
+        </p:nvSpPr>
+        <p:spPr/>
+        <p:txBody>
+          <a:bodyPr/>
+          <a:lstStyle/>
+          <a:p>
+            <a:r>
+              <a:rPr lang="cs-CZ" dirty="0"/>
+              <a:t>Zdroje</a:t>
+            </a:r>
+          </a:p>
+        </p:txBody>
+      </p:sp>
+      <p:sp>
+        <p:nvSpPr>
+          <p:cNvPr id="3" name="Zástupný obsah 2">
+            <a:extLst>
+              <a:ext uri="{FF2B5EF4-FFF2-40B4-BE49-F238E27FC236}">
+                <a16:creationId xmlns:a16="http://schemas.microsoft.com/office/drawing/2014/main" id="{F7FE6249-2132-266D-1996-56498DD5FD89}"/>
+              </a:ext>
+            </a:extLst>
+          </p:cNvPr>
+          <p:cNvSpPr>
+            <a:spLocks noGrp="1"/>
+          </p:cNvSpPr>
+          <p:nvPr>
+            <p:ph idx="1"/>
+          </p:nvPr>
+        </p:nvSpPr>
+        <p:spPr/>
+        <p:txBody>
+          <a:bodyPr/>
+          <a:lstStyle/>
+          <a:p>
+            <a:r>
+              <a:rPr lang="cs-CZ" dirty="0">
+                <a:hlinkClick r:id="rId2"/>
+              </a:rPr>
+              <a:t>https://qubits.cz/</a:t>
+            </a:r>
+            <a:endParaRPr lang="cs-CZ" dirty="0"/>
+          </a:p>
+          <a:p>
+            <a:r>
+              <a:rPr lang="cs-CZ" dirty="0">
+                <a:hlinkClick r:id="rId3"/>
+              </a:rPr>
+              <a:t>https://www.chip.cz/casopis-chip/earchiv/rubriky/technika/qubity-nevypocitatelna-logika-paralelnich-vypoctu/</a:t>
+            </a:r>
+            <a:endParaRPr lang="cs-CZ" dirty="0"/>
+          </a:p>
+          <a:p>
+            <a:r>
+              <a:rPr lang="cs-CZ" dirty="0">
+                <a:hlinkClick r:id="rId4"/>
+              </a:rPr>
+              <a:t>https://sciencemag.cz/dokazali-vypocetni-nadrazenost-kvantoveh-pocitace/</a:t>
+            </a:r>
+            <a:endParaRPr lang="cs-CZ" dirty="0"/>
+          </a:p>
+          <a:p>
+            <a:endParaRPr lang="cs-CZ" dirty="0"/>
+          </a:p>
+        </p:txBody>
+      </p:sp>
+    </p:spTree>
+    <p:extLst>
+      <p:ext uri="{BB962C8B-B14F-4D97-AF65-F5344CB8AC3E}">
+        <p14:creationId xmlns:p14="http://schemas.microsoft.com/office/powerpoint/2010/main" val="3233636919"/>
+      </p:ext>
+    </p:extLst>
+  </p:cSld>
+  <p:clrMapOvr>
+    <a:masterClrMapping/>
+  </p:clrMapOvr>
+  <p:transition spd="slow">
+    <p:wipe/>
+  </p:transition>
+</p:sld>
+</file>
+
+<file path=ppt/slides/slide15.xml><?xml version="1.0" encoding="utf-8"?>
+<p:sld xmlns:a="http://schemas.openxmlformats.org/drawingml/2006/main" xmlns:r="http://schemas.openxmlformats.org/officeDocument/2006/relationships" xmlns:p="http://schemas.openxmlformats.org/presentationml/2006/main">
+  <p:cSld>
+    <p:spTree>
+      <p:nvGrpSpPr>
+        <p:cNvPr id="1" name=""/>
+        <p:cNvGrpSpPr/>
+        <p:nvPr/>
+      </p:nvGrpSpPr>
+      <p:grpSpPr>
+        <a:xfrm>
+          <a:off x="0" y="0"/>
+          <a:ext cx="0" cy="0"/>
+          <a:chOff x="0" y="0"/>
+          <a:chExt cx="0" cy="0"/>
+        </a:xfrm>
+      </p:grpSpPr>
+      <p:sp>
+        <p:nvSpPr>
+          <p:cNvPr id="2" name="Nadpis 1">
+            <a:extLst>
+              <a:ext uri="{FF2B5EF4-FFF2-40B4-BE49-F238E27FC236}">
                 <a16:creationId xmlns:a16="http://schemas.microsoft.com/office/drawing/2014/main" id="{9CB98DC5-5676-34BA-38C2-5B67C88C5665}"/>
               </a:ext>
             </a:extLst>
@@ -7884,7 +7991,7 @@
 </p:sld>
 </file>
 
-<file path=ppt/slides/slide15.xml><?xml version="1.0" encoding="utf-8"?>
+<file path=ppt/slides/slide16.xml><?xml version="1.0" encoding="utf-8"?>
 <p:sld xmlns:a="http://schemas.openxmlformats.org/drawingml/2006/main" xmlns:r="http://schemas.openxmlformats.org/officeDocument/2006/relationships" xmlns:p="http://schemas.openxmlformats.org/presentationml/2006/main">
   <p:cSld>
     <p:spTree>
@@ -8095,91 +8202,57 @@
           <a:chExt cx="0" cy="0"/>
         </a:xfrm>
       </p:grpSpPr>
-      <p:sp>
-        <p:nvSpPr>
-          <p:cNvPr id="2" name="Nadpis 1">
+      <p:pic>
+        <p:nvPicPr>
+          <p:cNvPr id="1026" name="Picture 2" descr="Kvantový počítač (VŠE, CO CHCETE VĚDĚT) | Alza.cz">
             <a:extLst>
               <a:ext uri="{FF2B5EF4-FFF2-40B4-BE49-F238E27FC236}">
-                <a16:creationId xmlns:a16="http://schemas.microsoft.com/office/drawing/2014/main" id="{565DFD1F-ADBF-E971-3BE3-86E9C85B25EB}"/>
+                <a16:creationId xmlns:a16="http://schemas.microsoft.com/office/drawing/2014/main" id="{0B535B83-8C69-6274-D195-E7DD70BA19DB}"/>
               </a:ext>
             </a:extLst>
           </p:cNvPr>
-          <p:cNvSpPr>
-            <a:spLocks noGrp="1"/>
-          </p:cNvSpPr>
-          <p:nvPr>
-            <p:ph type="title"/>
-          </p:nvPr>
-        </p:nvSpPr>
-        <p:spPr/>
-        <p:txBody>
-          <a:bodyPr/>
-          <a:lstStyle/>
-          <a:p>
-            <a:r>
-              <a:rPr lang="cs-CZ" dirty="0"/>
-              <a:t>Co je to </a:t>
-            </a:r>
-            <a:r>
-              <a:rPr lang="cs-CZ" dirty="0" err="1"/>
-              <a:t>Qubit</a:t>
-            </a:r>
-            <a:r>
-              <a:rPr lang="cs-CZ" dirty="0"/>
-              <a:t> ?</a:t>
-            </a:r>
-          </a:p>
-        </p:txBody>
-      </p:sp>
-      <p:sp>
-        <p:nvSpPr>
-          <p:cNvPr id="3" name="Zástupný obsah 2">
+          <p:cNvPicPr>
+            <a:picLocks noChangeAspect="1" noChangeArrowheads="1"/>
+          </p:cNvPicPr>
+          <p:nvPr/>
+        </p:nvPicPr>
+        <p:blipFill>
+          <a:blip r:embed="rId2">
             <a:extLst>
-              <a:ext uri="{FF2B5EF4-FFF2-40B4-BE49-F238E27FC236}">
-                <a16:creationId xmlns:a16="http://schemas.microsoft.com/office/drawing/2014/main" id="{91E69BEA-4EB7-FA4C-F076-829BF8B28EB8}"/>
+              <a:ext uri="{28A0092B-C50C-407E-A947-70E740481C1C}">
+                <a14:useLocalDpi xmlns:a14="http://schemas.microsoft.com/office/drawing/2010/main" val="0"/>
               </a:ext>
             </a:extLst>
-          </p:cNvPr>
-          <p:cNvSpPr>
-            <a:spLocks noGrp="1"/>
-          </p:cNvSpPr>
-          <p:nvPr>
-            <p:ph idx="1"/>
-          </p:nvPr>
-        </p:nvSpPr>
-        <p:spPr/>
-        <p:txBody>
-          <a:bodyPr>
-            <a:normAutofit/>
-          </a:bodyPr>
-          <a:lstStyle/>
-          <a:p>
-            <a:r>
-              <a:rPr lang="cs-CZ" sz="3200" dirty="0"/>
-              <a:t>Nahrazuje bity v kvantových PC</a:t>
-            </a:r>
-          </a:p>
-          <a:p>
-            <a:r>
-              <a:rPr lang="cs-CZ" sz="3200" dirty="0"/>
-              <a:t>Může nabývat dvou hodnot najednou</a:t>
-            </a:r>
-          </a:p>
-          <a:p>
-            <a:r>
-              <a:rPr lang="cs-CZ" sz="3200" dirty="0"/>
-              <a:t>Používá se tzv. superpozice</a:t>
-            </a:r>
-          </a:p>
-          <a:p>
-            <a:endParaRPr lang="cs-CZ" sz="3200" dirty="0"/>
-          </a:p>
-        </p:txBody>
-      </p:sp>
+          </a:blip>
+          <a:srcRect/>
+          <a:stretch>
+            <a:fillRect/>
+          </a:stretch>
+        </p:blipFill>
+        <p:spPr bwMode="auto">
+          <a:xfrm>
+            <a:off x="505678" y="944682"/>
+            <a:ext cx="8096250" cy="4286250"/>
+          </a:xfrm>
+          <a:prstGeom prst="rect">
+            <a:avLst/>
+          </a:prstGeom>
+          <a:noFill/>
+          <a:extLst>
+            <a:ext uri="{909E8E84-426E-40DD-AFC4-6F175D3DCCD1}">
+              <a14:hiddenFill xmlns:a14="http://schemas.microsoft.com/office/drawing/2010/main">
+                <a:solidFill>
+                  <a:srgbClr val="FFFFFF"/>
+                </a:solidFill>
+              </a14:hiddenFill>
+            </a:ext>
+          </a:extLst>
+        </p:spPr>
+      </p:pic>
     </p:spTree>
     <p:extLst>
       <p:ext uri="{BB962C8B-B14F-4D97-AF65-F5344CB8AC3E}">
-        <p14:creationId xmlns:p14="http://schemas.microsoft.com/office/powerpoint/2010/main" val="3788814040"/>
+        <p14:creationId xmlns:p14="http://schemas.microsoft.com/office/powerpoint/2010/main" val="2641730668"/>
       </p:ext>
     </p:extLst>
   </p:cSld>
@@ -8214,7 +8287,7 @@
           <p:cNvPr id="2" name="Nadpis 1">
             <a:extLst>
               <a:ext uri="{FF2B5EF4-FFF2-40B4-BE49-F238E27FC236}">
-                <a16:creationId xmlns:a16="http://schemas.microsoft.com/office/drawing/2014/main" id="{269C5AEE-EA4C-63E8-D100-316DE809200F}"/>
+                <a16:creationId xmlns:a16="http://schemas.microsoft.com/office/drawing/2014/main" id="{565DFD1F-ADBF-E971-3BE3-86E9C85B25EB}"/>
               </a:ext>
             </a:extLst>
           </p:cNvPr>
@@ -8232,7 +8305,15 @@
           <a:p>
             <a:r>
               <a:rPr lang="cs-CZ" dirty="0"/>
-              <a:t>Na co využívat kvantové PC ?</a:t>
+              <a:t>Co je to </a:t>
+            </a:r>
+            <a:r>
+              <a:rPr lang="cs-CZ" dirty="0" err="1"/>
+              <a:t>Qubit</a:t>
+            </a:r>
+            <a:r>
+              <a:rPr lang="cs-CZ" dirty="0"/>
+              <a:t> ?</a:t>
             </a:r>
           </a:p>
         </p:txBody>
@@ -8242,7 +8323,7 @@
           <p:cNvPr id="3" name="Zástupný obsah 2">
             <a:extLst>
               <a:ext uri="{FF2B5EF4-FFF2-40B4-BE49-F238E27FC236}">
-                <a16:creationId xmlns:a16="http://schemas.microsoft.com/office/drawing/2014/main" id="{2252E915-A583-7118-707F-0F2EF0AB8800}"/>
+                <a16:creationId xmlns:a16="http://schemas.microsoft.com/office/drawing/2014/main" id="{91E69BEA-4EB7-FA4C-F076-829BF8B28EB8}"/>
               </a:ext>
             </a:extLst>
           </p:cNvPr>
@@ -8261,14 +8342,20 @@
           <a:lstStyle/>
           <a:p>
             <a:r>
-              <a:rPr lang="cs-CZ" sz="3200" dirty="0"/>
-              <a:t>Výpočty složitých úloh </a:t>
-            </a:r>
-          </a:p>
-          <a:p>
-            <a:r>
-              <a:rPr lang="cs-CZ" sz="3200" dirty="0"/>
-              <a:t>Prohledávání databází</a:t>
+              <a:rPr lang="cs-CZ" sz="3200"/>
+              <a:t>Nahrazuje bity v kvantových PC</a:t>
+            </a:r>
+          </a:p>
+          <a:p>
+            <a:r>
+              <a:rPr lang="cs-CZ" sz="3200"/>
+              <a:t>Může nabývat dvou hodnot najednou</a:t>
+            </a:r>
+          </a:p>
+          <a:p>
+            <a:r>
+              <a:rPr lang="cs-CZ" sz="3200"/>
+              <a:t>Používá se tzv. superpozice</a:t>
             </a:r>
           </a:p>
           <a:p>
@@ -8279,7 +8366,7 @@
     </p:spTree>
     <p:extLst>
       <p:ext uri="{BB962C8B-B14F-4D97-AF65-F5344CB8AC3E}">
-        <p14:creationId xmlns:p14="http://schemas.microsoft.com/office/powerpoint/2010/main" val="1404253128"/>
+        <p14:creationId xmlns:p14="http://schemas.microsoft.com/office/powerpoint/2010/main" val="3788814040"/>
       </p:ext>
     </p:extLst>
   </p:cSld>
@@ -8314,7 +8401,7 @@
           <p:cNvPr id="2" name="Nadpis 1">
             <a:extLst>
               <a:ext uri="{FF2B5EF4-FFF2-40B4-BE49-F238E27FC236}">
-                <a16:creationId xmlns:a16="http://schemas.microsoft.com/office/drawing/2014/main" id="{E32BF1B3-B300-0560-4192-C2E155DDF7A4}"/>
+                <a16:creationId xmlns:a16="http://schemas.microsoft.com/office/drawing/2014/main" id="{269C5AEE-EA4C-63E8-D100-316DE809200F}"/>
               </a:ext>
             </a:extLst>
           </p:cNvPr>
@@ -8332,7 +8419,7 @@
           <a:p>
             <a:r>
               <a:rPr lang="cs-CZ" dirty="0"/>
-              <a:t>Nevýhody</a:t>
+              <a:t>Na co využívat kvantové PC ?</a:t>
             </a:r>
           </a:p>
         </p:txBody>
@@ -8342,7 +8429,7 @@
           <p:cNvPr id="3" name="Zástupný obsah 2">
             <a:extLst>
               <a:ext uri="{FF2B5EF4-FFF2-40B4-BE49-F238E27FC236}">
-                <a16:creationId xmlns:a16="http://schemas.microsoft.com/office/drawing/2014/main" id="{4582A0EF-03E1-0FA4-5350-4ED451AABB2A}"/>
+                <a16:creationId xmlns:a16="http://schemas.microsoft.com/office/drawing/2014/main" id="{2252E915-A583-7118-707F-0F2EF0AB8800}"/>
               </a:ext>
             </a:extLst>
           </p:cNvPr>
@@ -8361,34 +8448,25 @@
           <a:lstStyle/>
           <a:p>
             <a:r>
-              <a:rPr lang="cs-CZ" sz="3200" dirty="0"/>
-              <a:t>Kvantové PC mohou při výpočtech chybovat</a:t>
-            </a:r>
-          </a:p>
-          <a:p>
-            <a:r>
-              <a:rPr lang="cs-CZ" sz="3200" dirty="0"/>
-              <a:t>Je třeba oddělit od okolí</a:t>
-            </a:r>
-          </a:p>
-          <a:p>
-            <a:r>
-              <a:rPr lang="cs-CZ" sz="3200" dirty="0"/>
-              <a:t>Zchladit PC</a:t>
-            </a:r>
-          </a:p>
-          <a:p>
-            <a:r>
-              <a:rPr lang="cs-CZ" sz="3200" dirty="0"/>
-              <a:t>Koherence</a:t>
-            </a:r>
+              <a:rPr lang="cs-CZ" sz="3200"/>
+              <a:t>Výpočty složitých úloh </a:t>
+            </a:r>
+          </a:p>
+          <a:p>
+            <a:r>
+              <a:rPr lang="cs-CZ" sz="3200"/>
+              <a:t>Prohledávání databází</a:t>
+            </a:r>
+          </a:p>
+          <a:p>
+            <a:endParaRPr lang="cs-CZ" sz="3200" dirty="0"/>
           </a:p>
         </p:txBody>
       </p:sp>
     </p:spTree>
     <p:extLst>
       <p:ext uri="{BB962C8B-B14F-4D97-AF65-F5344CB8AC3E}">
-        <p14:creationId xmlns:p14="http://schemas.microsoft.com/office/powerpoint/2010/main" val="965160488"/>
+        <p14:creationId xmlns:p14="http://schemas.microsoft.com/office/powerpoint/2010/main" val="1404253128"/>
       </p:ext>
     </p:extLst>
   </p:cSld>
@@ -8423,7 +8501,7 @@
           <p:cNvPr id="2" name="Nadpis 1">
             <a:extLst>
               <a:ext uri="{FF2B5EF4-FFF2-40B4-BE49-F238E27FC236}">
-                <a16:creationId xmlns:a16="http://schemas.microsoft.com/office/drawing/2014/main" id="{1B9BF8E8-E2C9-CD87-D091-A130C60950D6}"/>
+                <a16:creationId xmlns:a16="http://schemas.microsoft.com/office/drawing/2014/main" id="{E32BF1B3-B300-0560-4192-C2E155DDF7A4}"/>
               </a:ext>
             </a:extLst>
           </p:cNvPr>
@@ -8441,29 +8519,8 @@
           <a:p>
             <a:r>
               <a:rPr lang="cs-CZ" dirty="0"/>
-              <a:t>QEC = </a:t>
-            </a:r>
-            <a:r>
-              <a:rPr lang="cs-CZ" dirty="0" err="1"/>
-              <a:t>Quantum</a:t>
-            </a:r>
-            <a:r>
-              <a:rPr lang="cs-CZ" dirty="0"/>
-              <a:t> </a:t>
-            </a:r>
-            <a:r>
-              <a:rPr lang="cs-CZ" dirty="0" err="1"/>
-              <a:t>error</a:t>
-            </a:r>
-            <a:r>
-              <a:rPr lang="cs-CZ" dirty="0"/>
-              <a:t> </a:t>
-            </a:r>
-            <a:r>
-              <a:rPr lang="cs-CZ" dirty="0" err="1"/>
-              <a:t>correction</a:t>
-            </a:r>
-            <a:endParaRPr lang="cs-CZ" dirty="0"/>
+              <a:t>Nevýhody</a:t>
+            </a:r>
           </a:p>
         </p:txBody>
       </p:sp>
@@ -8472,7 +8529,7 @@
           <p:cNvPr id="3" name="Zástupný obsah 2">
             <a:extLst>
               <a:ext uri="{FF2B5EF4-FFF2-40B4-BE49-F238E27FC236}">
-                <a16:creationId xmlns:a16="http://schemas.microsoft.com/office/drawing/2014/main" id="{E3ABDF26-FF81-9944-37C4-58B842FDCA7C}"/>
+                <a16:creationId xmlns:a16="http://schemas.microsoft.com/office/drawing/2014/main" id="{4582A0EF-03E1-0FA4-5350-4ED451AABB2A}"/>
               </a:ext>
             </a:extLst>
           </p:cNvPr>
@@ -8492,13 +8549,25 @@
           <a:p>
             <a:r>
               <a:rPr lang="cs-CZ" sz="3200" dirty="0"/>
-              <a:t>Prevence před děláním chyb</a:t>
+              <a:t>Kvantové PC mohou při výpočtech chybovat</a:t>
             </a:r>
           </a:p>
           <a:p>
             <a:r>
               <a:rPr lang="cs-CZ" sz="3200" dirty="0"/>
-              <a:t>Kód opakování</a:t>
+              <a:t>Je třeba oddělit od okolí</a:t>
+            </a:r>
+          </a:p>
+          <a:p>
+            <a:r>
+              <a:rPr lang="cs-CZ" sz="3200" dirty="0"/>
+              <a:t>Zchladit PC</a:t>
+            </a:r>
+          </a:p>
+          <a:p>
+            <a:r>
+              <a:rPr lang="cs-CZ" sz="3200" dirty="0"/>
+              <a:t>Koherence</a:t>
             </a:r>
           </a:p>
         </p:txBody>
@@ -8506,7 +8575,7 @@
     </p:spTree>
     <p:extLst>
       <p:ext uri="{BB962C8B-B14F-4D97-AF65-F5344CB8AC3E}">
-        <p14:creationId xmlns:p14="http://schemas.microsoft.com/office/powerpoint/2010/main" val="4157008234"/>
+        <p14:creationId xmlns:p14="http://schemas.microsoft.com/office/powerpoint/2010/main" val="965160488"/>
       </p:ext>
     </p:extLst>
   </p:cSld>
@@ -8541,7 +8610,7 @@
           <p:cNvPr id="2" name="Nadpis 1">
             <a:extLst>
               <a:ext uri="{FF2B5EF4-FFF2-40B4-BE49-F238E27FC236}">
-                <a16:creationId xmlns:a16="http://schemas.microsoft.com/office/drawing/2014/main" id="{F5B318BA-22C3-49DE-325B-12E7AD141A5D}"/>
+                <a16:creationId xmlns:a16="http://schemas.microsoft.com/office/drawing/2014/main" id="{1B9BF8E8-E2C9-CD87-D091-A130C60950D6}"/>
               </a:ext>
             </a:extLst>
           </p:cNvPr>
@@ -8559,8 +8628,29 @@
           <a:p>
             <a:r>
               <a:rPr lang="cs-CZ" dirty="0"/>
-              <a:t>Kvantové algoritmy</a:t>
-            </a:r>
+              <a:t>QEC = </a:t>
+            </a:r>
+            <a:r>
+              <a:rPr lang="cs-CZ" dirty="0" err="1"/>
+              <a:t>Quantum</a:t>
+            </a:r>
+            <a:r>
+              <a:rPr lang="cs-CZ" dirty="0"/>
+              <a:t> </a:t>
+            </a:r>
+            <a:r>
+              <a:rPr lang="cs-CZ" dirty="0" err="1"/>
+              <a:t>error</a:t>
+            </a:r>
+            <a:r>
+              <a:rPr lang="cs-CZ" dirty="0"/>
+              <a:t> </a:t>
+            </a:r>
+            <a:r>
+              <a:rPr lang="cs-CZ" dirty="0" err="1"/>
+              <a:t>correction</a:t>
+            </a:r>
+            <a:endParaRPr lang="cs-CZ" dirty="0"/>
           </a:p>
         </p:txBody>
       </p:sp>
@@ -8569,7 +8659,7 @@
           <p:cNvPr id="3" name="Zástupný obsah 2">
             <a:extLst>
               <a:ext uri="{FF2B5EF4-FFF2-40B4-BE49-F238E27FC236}">
-                <a16:creationId xmlns:a16="http://schemas.microsoft.com/office/drawing/2014/main" id="{45484AF0-A2C7-C607-38B0-1222D0DA36F7}"/>
+                <a16:creationId xmlns:a16="http://schemas.microsoft.com/office/drawing/2014/main" id="{E3ABDF26-FF81-9944-37C4-58B842FDCA7C}"/>
               </a:ext>
             </a:extLst>
           </p:cNvPr>
@@ -8588,73 +8678,22 @@
           <a:lstStyle/>
           <a:p>
             <a:r>
-              <a:rPr lang="cs-CZ" sz="3600" dirty="0" err="1">
-                <a:solidFill>
-                  <a:schemeClr val="tx1"/>
-                </a:solidFill>
-                <a:latin typeface="Times New Roman" panose="02020603050405020304" pitchFamily="18" charset="0"/>
-              </a:rPr>
-              <a:t>Sh</a:t>
-            </a:r>
-            <a:r>
-              <a:rPr lang="en-GB" sz="3600" dirty="0">
-                <a:solidFill>
-                  <a:schemeClr val="tx1"/>
-                </a:solidFill>
-                <a:latin typeface="Times New Roman" panose="02020603050405020304" pitchFamily="18" charset="0"/>
-              </a:rPr>
-              <a:t>o</a:t>
-            </a:r>
-            <a:r>
-              <a:rPr lang="cs-CZ" sz="3600" dirty="0" err="1">
-                <a:solidFill>
-                  <a:schemeClr val="tx1"/>
-                </a:solidFill>
-                <a:latin typeface="Times New Roman" panose="02020603050405020304" pitchFamily="18" charset="0"/>
-              </a:rPr>
-              <a:t>rův</a:t>
-            </a:r>
-            <a:r>
-              <a:rPr lang="cs-CZ" sz="3600" dirty="0">
-                <a:solidFill>
-                  <a:schemeClr val="tx1"/>
-                </a:solidFill>
-                <a:latin typeface="Times New Roman" panose="02020603050405020304" pitchFamily="18" charset="0"/>
-              </a:rPr>
-              <a:t> algoritmus</a:t>
-            </a:r>
-          </a:p>
-          <a:p>
-            <a:r>
-              <a:rPr lang="cs-CZ" sz="3600" dirty="0" err="1">
-                <a:solidFill>
-                  <a:schemeClr val="tx1"/>
-                </a:solidFill>
-                <a:latin typeface="Times New Roman" panose="02020603050405020304" pitchFamily="18" charset="0"/>
-              </a:rPr>
-              <a:t>Groverův</a:t>
-            </a:r>
-            <a:r>
-              <a:rPr lang="cs-CZ" sz="3600" dirty="0">
-                <a:solidFill>
-                  <a:schemeClr val="tx1"/>
-                </a:solidFill>
-                <a:latin typeface="Times New Roman" panose="02020603050405020304" pitchFamily="18" charset="0"/>
-              </a:rPr>
-              <a:t> algoritmus </a:t>
-            </a:r>
-            <a:endParaRPr lang="cs-CZ" sz="3600" dirty="0">
-              <a:solidFill>
-                <a:schemeClr val="tx1"/>
-              </a:solidFill>
-            </a:endParaRPr>
+              <a:rPr lang="cs-CZ" sz="3200" dirty="0"/>
+              <a:t>Prevence před děláním chyb</a:t>
+            </a:r>
+          </a:p>
+          <a:p>
+            <a:r>
+              <a:rPr lang="cs-CZ" sz="3200" dirty="0"/>
+              <a:t>Kód opakování</a:t>
+            </a:r>
           </a:p>
         </p:txBody>
       </p:sp>
     </p:spTree>
     <p:extLst>
       <p:ext uri="{BB962C8B-B14F-4D97-AF65-F5344CB8AC3E}">
-        <p14:creationId xmlns:p14="http://schemas.microsoft.com/office/powerpoint/2010/main" val="2314083385"/>
+        <p14:creationId xmlns:p14="http://schemas.microsoft.com/office/powerpoint/2010/main" val="4157008234"/>
       </p:ext>
     </p:extLst>
   </p:cSld>
@@ -8689,7 +8728,7 @@
           <p:cNvPr id="2" name="Nadpis 1">
             <a:extLst>
               <a:ext uri="{FF2B5EF4-FFF2-40B4-BE49-F238E27FC236}">
-                <a16:creationId xmlns:a16="http://schemas.microsoft.com/office/drawing/2014/main" id="{FD3395C9-036F-C3C2-AB4D-B343CA7CE4B5}"/>
+                <a16:creationId xmlns:a16="http://schemas.microsoft.com/office/drawing/2014/main" id="{F5B318BA-22C3-49DE-325B-12E7AD141A5D}"/>
               </a:ext>
             </a:extLst>
           </p:cNvPr>
@@ -8707,7 +8746,7 @@
           <a:p>
             <a:r>
               <a:rPr lang="cs-CZ" dirty="0"/>
-              <a:t>Kvantová nadřazenost </a:t>
+              <a:t>Kvantové algoritmy</a:t>
             </a:r>
           </a:p>
         </p:txBody>
@@ -8717,7 +8756,7 @@
           <p:cNvPr id="3" name="Zástupný obsah 2">
             <a:extLst>
               <a:ext uri="{FF2B5EF4-FFF2-40B4-BE49-F238E27FC236}">
-                <a16:creationId xmlns:a16="http://schemas.microsoft.com/office/drawing/2014/main" id="{3A06D93C-C1CB-2140-A73D-0E42F142B24F}"/>
+                <a16:creationId xmlns:a16="http://schemas.microsoft.com/office/drawing/2014/main" id="{45484AF0-A2C7-C607-38B0-1222D0DA36F7}"/>
               </a:ext>
             </a:extLst>
           </p:cNvPr>
@@ -8736,46 +8775,60 @@
           <a:lstStyle/>
           <a:p>
             <a:r>
-              <a:rPr lang="cs-CZ" sz="3600" dirty="0"/>
-              <a:t>Cíl ukázat „Nadřazený</a:t>
+              <a:rPr lang="cs-CZ" sz="3600" dirty="0" err="1">
+                <a:solidFill>
+                  <a:schemeClr val="tx1"/>
+                </a:solidFill>
+                <a:latin typeface="Times New Roman" panose="02020603050405020304" pitchFamily="18" charset="0"/>
+              </a:rPr>
+              <a:t>Sh</a:t>
+            </a:r>
+            <a:r>
+              <a:rPr lang="en-GB" sz="3600" dirty="0">
+                <a:solidFill>
+                  <a:schemeClr val="tx1"/>
+                </a:solidFill>
+                <a:latin typeface="Times New Roman" panose="02020603050405020304" pitchFamily="18" charset="0"/>
+              </a:rPr>
+              <a:t>o</a:t>
+            </a:r>
+            <a:r>
+              <a:rPr lang="cs-CZ" sz="3600" dirty="0" err="1">
+                <a:solidFill>
+                  <a:schemeClr val="tx1"/>
+                </a:solidFill>
+                <a:latin typeface="Times New Roman" panose="02020603050405020304" pitchFamily="18" charset="0"/>
+              </a:rPr>
+              <a:t>rův</a:t>
             </a:r>
             <a:r>
               <a:rPr lang="cs-CZ" sz="3600" dirty="0">
                 <a:solidFill>
                   <a:schemeClr val="tx1"/>
                 </a:solidFill>
-                <a:latin typeface="arial" panose="020B0604020202020204" pitchFamily="34" charset="0"/>
+                <a:latin typeface="Times New Roman" panose="02020603050405020304" pitchFamily="18" charset="0"/>
               </a:rPr>
-              <a:t>“ PC</a:t>
-            </a:r>
-          </a:p>
-          <a:p>
+              <a:t> algoritmus</a:t>
+            </a:r>
+          </a:p>
+          <a:p>
+            <a:r>
+              <a:rPr lang="cs-CZ" sz="3600" dirty="0" err="1">
+                <a:solidFill>
+                  <a:schemeClr val="tx1"/>
+                </a:solidFill>
+                <a:latin typeface="Times New Roman" panose="02020603050405020304" pitchFamily="18" charset="0"/>
+              </a:rPr>
+              <a:t>Groverův</a:t>
+            </a:r>
             <a:r>
               <a:rPr lang="cs-CZ" sz="3600" dirty="0">
                 <a:solidFill>
                   <a:schemeClr val="tx1"/>
                 </a:solidFill>
-                <a:latin typeface="arial" panose="020B0604020202020204" pitchFamily="34" charset="0"/>
+                <a:latin typeface="Times New Roman" panose="02020603050405020304" pitchFamily="18" charset="0"/>
               </a:rPr>
-              <a:t>Např.: </a:t>
-            </a:r>
-            <a:r>
-              <a:rPr lang="cs-CZ" sz="3600" dirty="0" err="1">
-                <a:solidFill>
-                  <a:schemeClr val="tx1"/>
-                </a:solidFill>
-                <a:latin typeface="arial" panose="020B0604020202020204" pitchFamily="34" charset="0"/>
-              </a:rPr>
-              <a:t>google</a:t>
-            </a:r>
-            <a:r>
-              <a:rPr lang="cs-CZ" sz="3600" dirty="0">
-                <a:solidFill>
-                  <a:schemeClr val="tx1"/>
-                </a:solidFill>
-                <a:latin typeface="arial" panose="020B0604020202020204" pitchFamily="34" charset="0"/>
-              </a:rPr>
-              <a:t> v roce 2019</a:t>
+              <a:t> algoritmus </a:t>
             </a:r>
             <a:endParaRPr lang="cs-CZ" sz="3600" dirty="0">
               <a:solidFill>
@@ -8788,7 +8841,7 @@
     </p:spTree>
     <p:extLst>
       <p:ext uri="{BB962C8B-B14F-4D97-AF65-F5344CB8AC3E}">
-        <p14:creationId xmlns:p14="http://schemas.microsoft.com/office/powerpoint/2010/main" val="241283715"/>
+        <p14:creationId xmlns:p14="http://schemas.microsoft.com/office/powerpoint/2010/main" val="2314083385"/>
       </p:ext>
     </p:extLst>
   </p:cSld>
@@ -8823,7 +8876,7 @@
           <p:cNvPr id="2" name="Nadpis 1">
             <a:extLst>
               <a:ext uri="{FF2B5EF4-FFF2-40B4-BE49-F238E27FC236}">
-                <a16:creationId xmlns:a16="http://schemas.microsoft.com/office/drawing/2014/main" id="{B2E2CAB8-6CAD-CA8C-F38A-C8B9DFCE08AE}"/>
+                <a16:creationId xmlns:a16="http://schemas.microsoft.com/office/drawing/2014/main" id="{FD3395C9-036F-C3C2-AB4D-B343CA7CE4B5}"/>
               </a:ext>
             </a:extLst>
           </p:cNvPr>
@@ -8841,7 +8894,7 @@
           <a:p>
             <a:r>
               <a:rPr lang="cs-CZ" dirty="0"/>
-              <a:t>Využití kvantových PC</a:t>
+              <a:t>Kvantová nadřazenost </a:t>
             </a:r>
           </a:p>
         </p:txBody>
@@ -8851,7 +8904,7 @@
           <p:cNvPr id="3" name="Zástupný obsah 2">
             <a:extLst>
               <a:ext uri="{FF2B5EF4-FFF2-40B4-BE49-F238E27FC236}">
-                <a16:creationId xmlns:a16="http://schemas.microsoft.com/office/drawing/2014/main" id="{7CA22F89-8FF6-74E8-E704-C161D1C2040D}"/>
+                <a16:creationId xmlns:a16="http://schemas.microsoft.com/office/drawing/2014/main" id="{3A06D93C-C1CB-2140-A73D-0E42F142B24F}"/>
               </a:ext>
             </a:extLst>
           </p:cNvPr>
@@ -8871,30 +8924,58 @@
           <a:p>
             <a:r>
               <a:rPr lang="cs-CZ" sz="3600" dirty="0"/>
-              <a:t>Zdravotnictví </a:t>
-            </a:r>
-          </a:p>
-          <a:p>
-            <a:r>
-              <a:rPr lang="cs-CZ" sz="3600" dirty="0"/>
-              <a:t>Průmysl</a:t>
-            </a:r>
-          </a:p>
-          <a:p>
-            <a:r>
-              <a:rPr lang="cs-CZ" sz="3600" dirty="0"/>
-              <a:t>Šifrování</a:t>
-            </a:r>
-          </a:p>
-          <a:p>
-            <a:endParaRPr lang="cs-CZ" sz="3600" dirty="0"/>
+              <a:t>Cíl ukázat „Nadřazený</a:t>
+            </a:r>
+            <a:r>
+              <a:rPr lang="cs-CZ" sz="3600" dirty="0">
+                <a:solidFill>
+                  <a:schemeClr val="tx1"/>
+                </a:solidFill>
+                <a:latin typeface="arial" panose="020B0604020202020204" pitchFamily="34" charset="0"/>
+              </a:rPr>
+              <a:t>“ PC</a:t>
+            </a:r>
+          </a:p>
+          <a:p>
+            <a:r>
+              <a:rPr lang="cs-CZ" sz="3600" dirty="0">
+                <a:solidFill>
+                  <a:schemeClr val="tx1"/>
+                </a:solidFill>
+                <a:latin typeface="arial" panose="020B0604020202020204" pitchFamily="34" charset="0"/>
+              </a:rPr>
+              <a:t>Např.: </a:t>
+            </a:r>
+            <a:r>
+              <a:rPr lang="cs-CZ" sz="3600" dirty="0" err="1">
+                <a:solidFill>
+                  <a:schemeClr val="tx1"/>
+                </a:solidFill>
+                <a:latin typeface="arial" panose="020B0604020202020204" pitchFamily="34" charset="0"/>
+              </a:rPr>
+              <a:t>google</a:t>
+            </a:r>
+            <a:r>
+              <a:rPr lang="cs-CZ" sz="3600" dirty="0">
+                <a:solidFill>
+                  <a:schemeClr val="tx1"/>
+                </a:solidFill>
+                <a:latin typeface="arial" panose="020B0604020202020204" pitchFamily="34" charset="0"/>
+              </a:rPr>
+              <a:t> v roce 2019</a:t>
+            </a:r>
+            <a:endParaRPr lang="cs-CZ" sz="3600" dirty="0">
+              <a:solidFill>
+                <a:schemeClr val="tx1"/>
+              </a:solidFill>
+            </a:endParaRPr>
           </a:p>
         </p:txBody>
       </p:sp>
     </p:spTree>
     <p:extLst>
       <p:ext uri="{BB962C8B-B14F-4D97-AF65-F5344CB8AC3E}">
-        <p14:creationId xmlns:p14="http://schemas.microsoft.com/office/powerpoint/2010/main" val="1475811921"/>
+        <p14:creationId xmlns:p14="http://schemas.microsoft.com/office/powerpoint/2010/main" val="241283715"/>
       </p:ext>
     </p:extLst>
   </p:cSld>
